--- a/Figures/Supplemental_Figures/Supplemental_Figure_2/S2.pptx
+++ b/Figures/Supplemental_Figures/Supplemental_Figure_2/S2.pptx
@@ -2948,445 +2948,414 @@
           <a:chExt cx="0" cy="0"/>
         </a:xfrm>
       </p:grpSpPr>
-      <p:pic>
-        <p:nvPicPr>
-          <p:cNvPr id="15" name="Picture 14">
+      <p:grpSp>
+        <p:nvGrpSpPr>
+          <p:cNvPr id="17" name="Group 16">
             <a:extLst>
               <a:ext uri="{FF2B5EF4-FFF2-40B4-BE49-F238E27FC236}">
-                <a16:creationId xmlns:a16="http://schemas.microsoft.com/office/drawing/2014/main" id="{C3D1A58B-1E7F-FD49-9D7B-44B77EDC1C70}"/>
+                <a16:creationId xmlns:a16="http://schemas.microsoft.com/office/drawing/2014/main" id="{FE730FE3-42ED-A04F-9A62-50197A89FF48}"/>
               </a:ext>
             </a:extLst>
           </p:cNvPr>
-          <p:cNvPicPr>
-            <a:picLocks noChangeAspect="1"/>
-          </p:cNvPicPr>
+          <p:cNvGrpSpPr/>
           <p:nvPr/>
-        </p:nvPicPr>
-        <p:blipFill>
-          <a:blip r:embed="rId2"/>
-          <a:stretch>
-            <a:fillRect/>
-          </a:stretch>
-        </p:blipFill>
-        <p:spPr>
+        </p:nvGrpSpPr>
+        <p:grpSpPr>
           <a:xfrm>
-            <a:off x="1205944" y="394644"/>
-            <a:ext cx="8254242" cy="6190682"/>
+            <a:off x="152401" y="-62201"/>
+            <a:ext cx="9307785" cy="6647527"/>
+            <a:chOff x="152401" y="-62201"/>
+            <a:chExt cx="9307785" cy="6647527"/>
           </a:xfrm>
-          <a:prstGeom prst="rect">
-            <a:avLst/>
-          </a:prstGeom>
-        </p:spPr>
-      </p:pic>
-      <p:sp>
-        <p:nvSpPr>
-          <p:cNvPr id="7" name="TextBox 6"/>
-          <p:cNvSpPr txBox="1"/>
-          <p:nvPr/>
-        </p:nvSpPr>
-        <p:spPr>
-          <a:xfrm>
-            <a:off x="3688053" y="394643"/>
-            <a:ext cx="685800" cy="461665"/>
-          </a:xfrm>
-          <a:prstGeom prst="rect">
-            <a:avLst/>
-          </a:prstGeom>
-          <a:noFill/>
-        </p:spPr>
-        <p:txBody>
-          <a:bodyPr wrap="square" rtlCol="0">
-            <a:spAutoFit/>
-          </a:bodyPr>
-          <a:lstStyle/>
-          <a:p>
-            <a:r>
-              <a:rPr lang="en-US" sz="2400" b="1" dirty="0"/>
-              <a:t>B)</a:t>
-            </a:r>
-          </a:p>
-        </p:txBody>
-      </p:sp>
-      <p:sp>
-        <p:nvSpPr>
-          <p:cNvPr id="8" name="TextBox 7"/>
-          <p:cNvSpPr txBox="1"/>
-          <p:nvPr/>
-        </p:nvSpPr>
-        <p:spPr>
-          <a:xfrm>
-            <a:off x="756807" y="394644"/>
-            <a:ext cx="685800" cy="461665"/>
-          </a:xfrm>
-          <a:prstGeom prst="rect">
-            <a:avLst/>
-          </a:prstGeom>
-          <a:noFill/>
-        </p:spPr>
-        <p:txBody>
-          <a:bodyPr wrap="square" rtlCol="0">
-            <a:spAutoFit/>
-          </a:bodyPr>
-          <a:lstStyle/>
-          <a:p>
-            <a:r>
-              <a:rPr lang="en-US" sz="2400" b="1" dirty="0"/>
-              <a:t>A)</a:t>
-            </a:r>
-          </a:p>
-        </p:txBody>
-      </p:sp>
-      <p:sp>
-        <p:nvSpPr>
-          <p:cNvPr id="11" name="TextBox 10"/>
-          <p:cNvSpPr txBox="1"/>
-          <p:nvPr/>
-        </p:nvSpPr>
-        <p:spPr>
-          <a:xfrm>
-            <a:off x="6706965" y="394642"/>
-            <a:ext cx="685800" cy="461665"/>
-          </a:xfrm>
-          <a:prstGeom prst="rect">
-            <a:avLst/>
-          </a:prstGeom>
-          <a:noFill/>
-        </p:spPr>
-        <p:txBody>
-          <a:bodyPr wrap="square" rtlCol="0">
-            <a:spAutoFit/>
-          </a:bodyPr>
-          <a:lstStyle/>
-          <a:p>
-            <a:r>
-              <a:rPr lang="en-US" sz="2400" b="1" dirty="0"/>
-              <a:t>C)</a:t>
-            </a:r>
-          </a:p>
-        </p:txBody>
-      </p:sp>
-      <p:sp>
-        <p:nvSpPr>
-          <p:cNvPr id="14" name="TextBox 13">
-            <a:extLst>
-              <a:ext uri="{FF2B5EF4-FFF2-40B4-BE49-F238E27FC236}">
-                <a16:creationId xmlns:a16="http://schemas.microsoft.com/office/drawing/2014/main" id="{9AD08C1C-D67D-1942-BD9E-AA58B027BC36}"/>
-              </a:ext>
-            </a:extLst>
-          </p:cNvPr>
-          <p:cNvSpPr txBox="1"/>
-          <p:nvPr/>
-        </p:nvSpPr>
-        <p:spPr>
-          <a:xfrm rot="16200000">
-            <a:off x="-637189" y="4973633"/>
-            <a:ext cx="1948511" cy="369332"/>
-          </a:xfrm>
-          <a:prstGeom prst="rect">
-            <a:avLst/>
-          </a:prstGeom>
-          <a:noFill/>
-        </p:spPr>
-        <p:txBody>
-          <a:bodyPr wrap="square" rtlCol="0">
-            <a:spAutoFit/>
-          </a:bodyPr>
-          <a:lstStyle/>
-          <a:p>
-            <a:r>
-              <a:rPr lang="en-US" dirty="0">
-                <a:latin typeface="Arial" panose="020B0604020202020204" pitchFamily="34" charset="0"/>
-                <a:cs typeface="Arial" panose="020B0604020202020204" pitchFamily="34" charset="0"/>
-              </a:rPr>
-              <a:t>SEIR Spline</a:t>
-            </a:r>
-          </a:p>
-        </p:txBody>
-      </p:sp>
-      <p:sp>
-        <p:nvSpPr>
-          <p:cNvPr id="2" name="Rectangle 1">
-            <a:extLst>
-              <a:ext uri="{FF2B5EF4-FFF2-40B4-BE49-F238E27FC236}">
-                <a16:creationId xmlns:a16="http://schemas.microsoft.com/office/drawing/2014/main" id="{3C370B9C-4E1B-5E44-B5E0-A0938C78093A}"/>
-              </a:ext>
-            </a:extLst>
-          </p:cNvPr>
-          <p:cNvSpPr/>
-          <p:nvPr/>
-        </p:nvSpPr>
-        <p:spPr>
-          <a:xfrm>
-            <a:off x="6415081" y="2597290"/>
-            <a:ext cx="585380" cy="377687"/>
-          </a:xfrm>
-          <a:prstGeom prst="rect">
-            <a:avLst/>
-          </a:prstGeom>
-          <a:solidFill>
-            <a:schemeClr val="bg1"/>
-          </a:solidFill>
-          <a:ln>
+        </p:grpSpPr>
+        <p:pic>
+          <p:nvPicPr>
+            <p:cNvPr id="15" name="Picture 14">
+              <a:extLst>
+                <a:ext uri="{FF2B5EF4-FFF2-40B4-BE49-F238E27FC236}">
+                  <a16:creationId xmlns:a16="http://schemas.microsoft.com/office/drawing/2014/main" id="{C3D1A58B-1E7F-FD49-9D7B-44B77EDC1C70}"/>
+                </a:ext>
+              </a:extLst>
+            </p:cNvPr>
+            <p:cNvPicPr>
+              <a:picLocks noChangeAspect="1"/>
+            </p:cNvPicPr>
+            <p:nvPr/>
+          </p:nvPicPr>
+          <p:blipFill>
+            <a:blip r:embed="rId2"/>
+            <a:stretch>
+              <a:fillRect/>
+            </a:stretch>
+          </p:blipFill>
+          <p:spPr>
+            <a:xfrm>
+              <a:off x="1205944" y="394644"/>
+              <a:ext cx="8254242" cy="6190682"/>
+            </a:xfrm>
+            <a:prstGeom prst="rect">
+              <a:avLst/>
+            </a:prstGeom>
+          </p:spPr>
+        </p:pic>
+        <p:sp>
+          <p:nvSpPr>
+            <p:cNvPr id="7" name="TextBox 6"/>
+            <p:cNvSpPr txBox="1"/>
+            <p:nvPr/>
+          </p:nvSpPr>
+          <p:spPr>
+            <a:xfrm>
+              <a:off x="3688053" y="394643"/>
+              <a:ext cx="685800" cy="461665"/>
+            </a:xfrm>
+            <a:prstGeom prst="rect">
+              <a:avLst/>
+            </a:prstGeom>
             <a:noFill/>
-          </a:ln>
-        </p:spPr>
-        <p:style>
-          <a:lnRef idx="2">
-            <a:schemeClr val="accent1">
-              <a:shade val="50000"/>
-            </a:schemeClr>
-          </a:lnRef>
-          <a:fillRef idx="1">
-            <a:schemeClr val="accent1"/>
-          </a:fillRef>
-          <a:effectRef idx="0">
-            <a:schemeClr val="accent1"/>
-          </a:effectRef>
-          <a:fontRef idx="minor">
-            <a:schemeClr val="lt1"/>
-          </a:fontRef>
-        </p:style>
-        <p:txBody>
-          <a:bodyPr rtlCol="0" anchor="ctr"/>
-          <a:lstStyle/>
-          <a:p>
-            <a:pPr algn="ctr"/>
-            <a:endParaRPr lang="en-US"/>
-          </a:p>
-        </p:txBody>
-      </p:sp>
-      <p:sp>
-        <p:nvSpPr>
-          <p:cNvPr id="12" name="Rectangle 11">
-            <a:extLst>
-              <a:ext uri="{FF2B5EF4-FFF2-40B4-BE49-F238E27FC236}">
-                <a16:creationId xmlns:a16="http://schemas.microsoft.com/office/drawing/2014/main" id="{BBCB9FF2-8BC4-F549-AAD5-C380C98A8883}"/>
-              </a:ext>
-            </a:extLst>
-          </p:cNvPr>
-          <p:cNvSpPr/>
-          <p:nvPr/>
-        </p:nvSpPr>
-        <p:spPr>
-          <a:xfrm>
-            <a:off x="6415081" y="3489985"/>
-            <a:ext cx="585380" cy="377687"/>
-          </a:xfrm>
-          <a:prstGeom prst="rect">
-            <a:avLst/>
-          </a:prstGeom>
-          <a:solidFill>
-            <a:schemeClr val="bg1"/>
-          </a:solidFill>
-          <a:ln>
+          </p:spPr>
+          <p:txBody>
+            <a:bodyPr wrap="square" rtlCol="0">
+              <a:spAutoFit/>
+            </a:bodyPr>
+            <a:lstStyle/>
+            <a:p>
+              <a:r>
+                <a:rPr lang="en-US" sz="2400" b="1" dirty="0"/>
+                <a:t>B)</a:t>
+              </a:r>
+            </a:p>
+          </p:txBody>
+        </p:sp>
+        <p:sp>
+          <p:nvSpPr>
+            <p:cNvPr id="8" name="TextBox 7"/>
+            <p:cNvSpPr txBox="1"/>
+            <p:nvPr/>
+          </p:nvSpPr>
+          <p:spPr>
+            <a:xfrm>
+              <a:off x="756807" y="394644"/>
+              <a:ext cx="685800" cy="461665"/>
+            </a:xfrm>
+            <a:prstGeom prst="rect">
+              <a:avLst/>
+            </a:prstGeom>
             <a:noFill/>
-          </a:ln>
-        </p:spPr>
-        <p:style>
-          <a:lnRef idx="2">
-            <a:schemeClr val="accent1">
-              <a:shade val="50000"/>
-            </a:schemeClr>
-          </a:lnRef>
-          <a:fillRef idx="1">
-            <a:schemeClr val="accent1"/>
-          </a:fillRef>
-          <a:effectRef idx="0">
-            <a:schemeClr val="accent1"/>
-          </a:effectRef>
-          <a:fontRef idx="minor">
-            <a:schemeClr val="lt1"/>
-          </a:fontRef>
-        </p:style>
-        <p:txBody>
-          <a:bodyPr rtlCol="0" anchor="ctr"/>
-          <a:lstStyle/>
-          <a:p>
-            <a:pPr algn="ctr"/>
-            <a:endParaRPr lang="en-US"/>
-          </a:p>
-        </p:txBody>
-      </p:sp>
-      <p:sp>
-        <p:nvSpPr>
-          <p:cNvPr id="5" name="Rectangle 4">
-            <a:extLst>
-              <a:ext uri="{FF2B5EF4-FFF2-40B4-BE49-F238E27FC236}">
-                <a16:creationId xmlns:a16="http://schemas.microsoft.com/office/drawing/2014/main" id="{819117D3-79EA-E041-8A15-35384E405DF5}"/>
-              </a:ext>
-            </a:extLst>
-          </p:cNvPr>
-          <p:cNvSpPr/>
-          <p:nvPr/>
-        </p:nvSpPr>
-        <p:spPr>
-          <a:xfrm>
-            <a:off x="8377881" y="2458995"/>
-            <a:ext cx="585380" cy="536425"/>
-          </a:xfrm>
-          <a:prstGeom prst="rect">
-            <a:avLst/>
-          </a:prstGeom>
-          <a:solidFill>
-            <a:schemeClr val="bg1"/>
-          </a:solidFill>
-          <a:ln>
+          </p:spPr>
+          <p:txBody>
+            <a:bodyPr wrap="square" rtlCol="0">
+              <a:spAutoFit/>
+            </a:bodyPr>
+            <a:lstStyle/>
+            <a:p>
+              <a:r>
+                <a:rPr lang="en-US" sz="2400" b="1" dirty="0"/>
+                <a:t>A)</a:t>
+              </a:r>
+            </a:p>
+          </p:txBody>
+        </p:sp>
+        <p:sp>
+          <p:nvSpPr>
+            <p:cNvPr id="11" name="TextBox 10"/>
+            <p:cNvSpPr txBox="1"/>
+            <p:nvPr/>
+          </p:nvSpPr>
+          <p:spPr>
+            <a:xfrm>
+              <a:off x="6706965" y="394642"/>
+              <a:ext cx="685800" cy="461665"/>
+            </a:xfrm>
+            <a:prstGeom prst="rect">
+              <a:avLst/>
+            </a:prstGeom>
             <a:noFill/>
-          </a:ln>
-        </p:spPr>
-        <p:style>
-          <a:lnRef idx="2">
-            <a:schemeClr val="accent1">
-              <a:shade val="50000"/>
-            </a:schemeClr>
-          </a:lnRef>
-          <a:fillRef idx="1">
-            <a:schemeClr val="accent1"/>
-          </a:fillRef>
-          <a:effectRef idx="0">
-            <a:schemeClr val="accent1"/>
-          </a:effectRef>
-          <a:fontRef idx="minor">
-            <a:schemeClr val="lt1"/>
-          </a:fontRef>
-        </p:style>
-        <p:txBody>
-          <a:bodyPr rtlCol="0" anchor="ctr"/>
-          <a:lstStyle/>
-          <a:p>
-            <a:pPr algn="ctr"/>
-            <a:endParaRPr lang="en-US"/>
-          </a:p>
-        </p:txBody>
-      </p:sp>
-      <p:sp>
-        <p:nvSpPr>
-          <p:cNvPr id="16" name="Rectangle 15">
-            <a:extLst>
-              <a:ext uri="{FF2B5EF4-FFF2-40B4-BE49-F238E27FC236}">
-                <a16:creationId xmlns:a16="http://schemas.microsoft.com/office/drawing/2014/main" id="{40B51D61-AC9A-8C4E-9585-0EC76D9A23CD}"/>
-              </a:ext>
-            </a:extLst>
-          </p:cNvPr>
-          <p:cNvSpPr/>
-          <p:nvPr/>
-        </p:nvSpPr>
-        <p:spPr>
-          <a:xfrm>
-            <a:off x="8377881" y="3647619"/>
-            <a:ext cx="585380" cy="536425"/>
-          </a:xfrm>
-          <a:prstGeom prst="rect">
-            <a:avLst/>
-          </a:prstGeom>
-          <a:solidFill>
-            <a:schemeClr val="bg1"/>
-          </a:solidFill>
-          <a:ln>
+          </p:spPr>
+          <p:txBody>
+            <a:bodyPr wrap="square" rtlCol="0">
+              <a:spAutoFit/>
+            </a:bodyPr>
+            <a:lstStyle/>
+            <a:p>
+              <a:r>
+                <a:rPr lang="en-US" sz="2400" b="1" dirty="0"/>
+                <a:t>C)</a:t>
+              </a:r>
+            </a:p>
+          </p:txBody>
+        </p:sp>
+        <p:sp>
+          <p:nvSpPr>
+            <p:cNvPr id="14" name="TextBox 13">
+              <a:extLst>
+                <a:ext uri="{FF2B5EF4-FFF2-40B4-BE49-F238E27FC236}">
+                  <a16:creationId xmlns:a16="http://schemas.microsoft.com/office/drawing/2014/main" id="{9AD08C1C-D67D-1942-BD9E-AA58B027BC36}"/>
+                </a:ext>
+              </a:extLst>
+            </p:cNvPr>
+            <p:cNvSpPr txBox="1"/>
+            <p:nvPr/>
+          </p:nvSpPr>
+          <p:spPr>
+            <a:xfrm rot="16200000">
+              <a:off x="-637189" y="4973633"/>
+              <a:ext cx="1948511" cy="369332"/>
+            </a:xfrm>
+            <a:prstGeom prst="rect">
+              <a:avLst/>
+            </a:prstGeom>
             <a:noFill/>
-          </a:ln>
-        </p:spPr>
-        <p:style>
-          <a:lnRef idx="2">
-            <a:schemeClr val="accent1">
-              <a:shade val="50000"/>
-            </a:schemeClr>
-          </a:lnRef>
-          <a:fillRef idx="1">
-            <a:schemeClr val="accent1"/>
-          </a:fillRef>
-          <a:effectRef idx="0">
-            <a:schemeClr val="accent1"/>
-          </a:effectRef>
-          <a:fontRef idx="minor">
-            <a:schemeClr val="lt1"/>
-          </a:fontRef>
-        </p:style>
-        <p:txBody>
-          <a:bodyPr rtlCol="0" anchor="ctr"/>
-          <a:lstStyle/>
-          <a:p>
-            <a:pPr algn="ctr"/>
-            <a:endParaRPr lang="en-US"/>
-          </a:p>
-        </p:txBody>
-      </p:sp>
-      <p:sp>
-        <p:nvSpPr>
-          <p:cNvPr id="19" name="TextBox 18">
-            <a:extLst>
-              <a:ext uri="{FF2B5EF4-FFF2-40B4-BE49-F238E27FC236}">
-                <a16:creationId xmlns:a16="http://schemas.microsoft.com/office/drawing/2014/main" id="{F6E10D90-1B43-E141-B381-ED08AD202243}"/>
-              </a:ext>
-            </a:extLst>
-          </p:cNvPr>
-          <p:cNvSpPr txBox="1"/>
-          <p:nvPr/>
-        </p:nvSpPr>
-        <p:spPr>
-          <a:xfrm rot="16200000">
-            <a:off x="-609100" y="2741180"/>
-            <a:ext cx="1948511" cy="369332"/>
-          </a:xfrm>
-          <a:prstGeom prst="rect">
-            <a:avLst/>
-          </a:prstGeom>
-          <a:noFill/>
-        </p:spPr>
-        <p:txBody>
-          <a:bodyPr wrap="square" rtlCol="0">
-            <a:spAutoFit/>
-          </a:bodyPr>
-          <a:lstStyle/>
-          <a:p>
-            <a:r>
-              <a:rPr lang="en-US" dirty="0">
-                <a:latin typeface="Arial" panose="020B0604020202020204" pitchFamily="34" charset="0"/>
-                <a:cs typeface="Arial" panose="020B0604020202020204" pitchFamily="34" charset="0"/>
-              </a:rPr>
-              <a:t>SIR Spline</a:t>
-            </a:r>
-          </a:p>
-        </p:txBody>
-      </p:sp>
-      <p:sp>
-        <p:nvSpPr>
-          <p:cNvPr id="20" name="TextBox 19">
-            <a:extLst>
-              <a:ext uri="{FF2B5EF4-FFF2-40B4-BE49-F238E27FC236}">
-                <a16:creationId xmlns:a16="http://schemas.microsoft.com/office/drawing/2014/main" id="{DA41A8F6-E0D8-F547-9CEC-E1E2DEEA68E8}"/>
-              </a:ext>
-            </a:extLst>
-          </p:cNvPr>
-          <p:cNvSpPr txBox="1"/>
-          <p:nvPr/>
-        </p:nvSpPr>
-        <p:spPr>
-          <a:xfrm rot="16200000">
-            <a:off x="-581011" y="727389"/>
-            <a:ext cx="1948511" cy="369332"/>
-          </a:xfrm>
-          <a:prstGeom prst="rect">
-            <a:avLst/>
-          </a:prstGeom>
-          <a:noFill/>
-        </p:spPr>
-        <p:txBody>
-          <a:bodyPr wrap="square" rtlCol="0">
-            <a:spAutoFit/>
-          </a:bodyPr>
-          <a:lstStyle/>
-          <a:p>
-            <a:r>
-              <a:rPr lang="en-US" dirty="0">
-                <a:latin typeface="Arial" panose="020B0604020202020204" pitchFamily="34" charset="0"/>
-                <a:cs typeface="Arial" panose="020B0604020202020204" pitchFamily="34" charset="0"/>
-              </a:rPr>
-              <a:t>SIR Cosine</a:t>
-            </a:r>
-          </a:p>
-        </p:txBody>
-      </p:sp>
+          </p:spPr>
+          <p:txBody>
+            <a:bodyPr wrap="square" rtlCol="0">
+              <a:spAutoFit/>
+            </a:bodyPr>
+            <a:lstStyle/>
+            <a:p>
+              <a:r>
+                <a:rPr lang="en-US" dirty="0">
+                  <a:latin typeface="Arial" panose="020B0604020202020204" pitchFamily="34" charset="0"/>
+                  <a:cs typeface="Arial" panose="020B0604020202020204" pitchFamily="34" charset="0"/>
+                </a:rPr>
+                <a:t>SEIR Spline</a:t>
+              </a:r>
+            </a:p>
+          </p:txBody>
+        </p:sp>
+        <p:sp>
+          <p:nvSpPr>
+            <p:cNvPr id="2" name="Rectangle 1">
+              <a:extLst>
+                <a:ext uri="{FF2B5EF4-FFF2-40B4-BE49-F238E27FC236}">
+                  <a16:creationId xmlns:a16="http://schemas.microsoft.com/office/drawing/2014/main" id="{3C370B9C-4E1B-5E44-B5E0-A0938C78093A}"/>
+                </a:ext>
+              </a:extLst>
+            </p:cNvPr>
+            <p:cNvSpPr/>
+            <p:nvPr/>
+          </p:nvSpPr>
+          <p:spPr>
+            <a:xfrm>
+              <a:off x="6415081" y="2597290"/>
+              <a:ext cx="585380" cy="377687"/>
+            </a:xfrm>
+            <a:prstGeom prst="rect">
+              <a:avLst/>
+            </a:prstGeom>
+            <a:solidFill>
+              <a:schemeClr val="bg1"/>
+            </a:solidFill>
+            <a:ln>
+              <a:noFill/>
+            </a:ln>
+          </p:spPr>
+          <p:style>
+            <a:lnRef idx="2">
+              <a:schemeClr val="accent1">
+                <a:shade val="50000"/>
+              </a:schemeClr>
+            </a:lnRef>
+            <a:fillRef idx="1">
+              <a:schemeClr val="accent1"/>
+            </a:fillRef>
+            <a:effectRef idx="0">
+              <a:schemeClr val="accent1"/>
+            </a:effectRef>
+            <a:fontRef idx="minor">
+              <a:schemeClr val="lt1"/>
+            </a:fontRef>
+          </p:style>
+          <p:txBody>
+            <a:bodyPr rtlCol="0" anchor="ctr"/>
+            <a:lstStyle/>
+            <a:p>
+              <a:pPr algn="ctr"/>
+              <a:endParaRPr lang="en-US"/>
+            </a:p>
+          </p:txBody>
+        </p:sp>
+        <p:sp>
+          <p:nvSpPr>
+            <p:cNvPr id="12" name="Rectangle 11">
+              <a:extLst>
+                <a:ext uri="{FF2B5EF4-FFF2-40B4-BE49-F238E27FC236}">
+                  <a16:creationId xmlns:a16="http://schemas.microsoft.com/office/drawing/2014/main" id="{BBCB9FF2-8BC4-F549-AAD5-C380C98A8883}"/>
+                </a:ext>
+              </a:extLst>
+            </p:cNvPr>
+            <p:cNvSpPr/>
+            <p:nvPr/>
+          </p:nvSpPr>
+          <p:spPr>
+            <a:xfrm>
+              <a:off x="6415081" y="3489985"/>
+              <a:ext cx="585380" cy="377687"/>
+            </a:xfrm>
+            <a:prstGeom prst="rect">
+              <a:avLst/>
+            </a:prstGeom>
+            <a:solidFill>
+              <a:schemeClr val="bg1"/>
+            </a:solidFill>
+            <a:ln>
+              <a:noFill/>
+            </a:ln>
+          </p:spPr>
+          <p:style>
+            <a:lnRef idx="2">
+              <a:schemeClr val="accent1">
+                <a:shade val="50000"/>
+              </a:schemeClr>
+            </a:lnRef>
+            <a:fillRef idx="1">
+              <a:schemeClr val="accent1"/>
+            </a:fillRef>
+            <a:effectRef idx="0">
+              <a:schemeClr val="accent1"/>
+            </a:effectRef>
+            <a:fontRef idx="minor">
+              <a:schemeClr val="lt1"/>
+            </a:fontRef>
+          </p:style>
+          <p:txBody>
+            <a:bodyPr rtlCol="0" anchor="ctr"/>
+            <a:lstStyle/>
+            <a:p>
+              <a:pPr algn="ctr"/>
+              <a:endParaRPr lang="en-US"/>
+            </a:p>
+          </p:txBody>
+        </p:sp>
+        <p:sp>
+          <p:nvSpPr>
+            <p:cNvPr id="16" name="Rectangle 15">
+              <a:extLst>
+                <a:ext uri="{FF2B5EF4-FFF2-40B4-BE49-F238E27FC236}">
+                  <a16:creationId xmlns:a16="http://schemas.microsoft.com/office/drawing/2014/main" id="{40B51D61-AC9A-8C4E-9585-0EC76D9A23CD}"/>
+                </a:ext>
+              </a:extLst>
+            </p:cNvPr>
+            <p:cNvSpPr/>
+            <p:nvPr/>
+          </p:nvSpPr>
+          <p:spPr>
+            <a:xfrm>
+              <a:off x="8377881" y="3647619"/>
+              <a:ext cx="585380" cy="536425"/>
+            </a:xfrm>
+            <a:prstGeom prst="rect">
+              <a:avLst/>
+            </a:prstGeom>
+            <a:solidFill>
+              <a:schemeClr val="bg1"/>
+            </a:solidFill>
+            <a:ln>
+              <a:noFill/>
+            </a:ln>
+          </p:spPr>
+          <p:style>
+            <a:lnRef idx="2">
+              <a:schemeClr val="accent1">
+                <a:shade val="50000"/>
+              </a:schemeClr>
+            </a:lnRef>
+            <a:fillRef idx="1">
+              <a:schemeClr val="accent1"/>
+            </a:fillRef>
+            <a:effectRef idx="0">
+              <a:schemeClr val="accent1"/>
+            </a:effectRef>
+            <a:fontRef idx="minor">
+              <a:schemeClr val="lt1"/>
+            </a:fontRef>
+          </p:style>
+          <p:txBody>
+            <a:bodyPr rtlCol="0" anchor="ctr"/>
+            <a:lstStyle/>
+            <a:p>
+              <a:pPr algn="ctr"/>
+              <a:endParaRPr lang="en-US"/>
+            </a:p>
+          </p:txBody>
+        </p:sp>
+        <p:sp>
+          <p:nvSpPr>
+            <p:cNvPr id="19" name="TextBox 18">
+              <a:extLst>
+                <a:ext uri="{FF2B5EF4-FFF2-40B4-BE49-F238E27FC236}">
+                  <a16:creationId xmlns:a16="http://schemas.microsoft.com/office/drawing/2014/main" id="{F6E10D90-1B43-E141-B381-ED08AD202243}"/>
+                </a:ext>
+              </a:extLst>
+            </p:cNvPr>
+            <p:cNvSpPr txBox="1"/>
+            <p:nvPr/>
+          </p:nvSpPr>
+          <p:spPr>
+            <a:xfrm rot="16200000">
+              <a:off x="-609100" y="2741180"/>
+              <a:ext cx="1948511" cy="369332"/>
+            </a:xfrm>
+            <a:prstGeom prst="rect">
+              <a:avLst/>
+            </a:prstGeom>
+            <a:noFill/>
+          </p:spPr>
+          <p:txBody>
+            <a:bodyPr wrap="square" rtlCol="0">
+              <a:spAutoFit/>
+            </a:bodyPr>
+            <a:lstStyle/>
+            <a:p>
+              <a:r>
+                <a:rPr lang="en-US" dirty="0">
+                  <a:latin typeface="Arial" panose="020B0604020202020204" pitchFamily="34" charset="0"/>
+                  <a:cs typeface="Arial" panose="020B0604020202020204" pitchFamily="34" charset="0"/>
+                </a:rPr>
+                <a:t>SIR Spline</a:t>
+              </a:r>
+            </a:p>
+          </p:txBody>
+        </p:sp>
+        <p:sp>
+          <p:nvSpPr>
+            <p:cNvPr id="20" name="TextBox 19">
+              <a:extLst>
+                <a:ext uri="{FF2B5EF4-FFF2-40B4-BE49-F238E27FC236}">
+                  <a16:creationId xmlns:a16="http://schemas.microsoft.com/office/drawing/2014/main" id="{DA41A8F6-E0D8-F547-9CEC-E1E2DEEA68E8}"/>
+                </a:ext>
+              </a:extLst>
+            </p:cNvPr>
+            <p:cNvSpPr txBox="1"/>
+            <p:nvPr/>
+          </p:nvSpPr>
+          <p:spPr>
+            <a:xfrm rot="16200000">
+              <a:off x="-581011" y="727389"/>
+              <a:ext cx="1948511" cy="369332"/>
+            </a:xfrm>
+            <a:prstGeom prst="rect">
+              <a:avLst/>
+            </a:prstGeom>
+            <a:noFill/>
+          </p:spPr>
+          <p:txBody>
+            <a:bodyPr wrap="square" rtlCol="0">
+              <a:spAutoFit/>
+            </a:bodyPr>
+            <a:lstStyle/>
+            <a:p>
+              <a:r>
+                <a:rPr lang="en-US" dirty="0">
+                  <a:latin typeface="Arial" panose="020B0604020202020204" pitchFamily="34" charset="0"/>
+                  <a:cs typeface="Arial" panose="020B0604020202020204" pitchFamily="34" charset="0"/>
+                </a:rPr>
+                <a:t>SIR Cosine</a:t>
+              </a:r>
+            </a:p>
+          </p:txBody>
+        </p:sp>
+      </p:grpSp>
     </p:spTree>
     <p:extLst>
       <p:ext uri="{BB962C8B-B14F-4D97-AF65-F5344CB8AC3E}">
